--- a/diagrams/errorHandling/defensiveProgramming/referentialIntegrity/manWoman.pptx
+++ b/diagrams/errorHandling/defensiveProgramming/referentialIntegrity/manWoman.pptx
@@ -3246,300 +3246,6 @@
       </p:cxnSp>
       <p:sp>
         <p:nvSpPr>
-          <p:cNvPr id="7" name="Content Placeholder 3"/>
-          <p:cNvSpPr txBox="1">
-            <a:spLocks/>
-          </p:cNvSpPr>
-          <p:nvPr/>
-        </p:nvSpPr>
-        <p:spPr>
-          <a:xfrm>
-            <a:off x="990600" y="3622608"/>
-            <a:ext cx="3806825" cy="2616101"/>
-          </a:xfrm>
-          <a:prstGeom prst="rect">
-            <a:avLst/>
-          </a:prstGeom>
-          <a:solidFill>
-            <a:schemeClr val="accent1">
-              <a:lumMod val="20000"/>
-              <a:lumOff val="80000"/>
-            </a:schemeClr>
-          </a:solidFill>
-          <a:ln>
-            <a:solidFill>
-              <a:schemeClr val="accent1"/>
-            </a:solidFill>
-            <a:prstDash val="dash"/>
-          </a:ln>
-        </p:spPr>
-        <p:txBody>
-          <a:bodyPr vert="horz" wrap="square" lIns="91440" tIns="45720" rIns="91440" bIns="45720" rtlCol="0">
-            <a:spAutoFit/>
-          </a:bodyPr>
-          <a:lstStyle/>
-          <a:p>
-            <a:pPr marL="342900" marR="0" lvl="0" indent="-342900" algn="l" defTabSz="914400" rtl="0" eaLnBrk="1" fontAlgn="auto" latinLnBrk="0" hangingPunct="1">
-              <a:lnSpc>
-                <a:spcPct val="100000"/>
-              </a:lnSpc>
-              <a:spcBef>
-                <a:spcPct val="20000"/>
-              </a:spcBef>
-              <a:spcAft>
-                <a:spcPts val="0"/>
-              </a:spcAft>
-              <a:buClrTx/>
-              <a:buSzPct val="50000"/>
-              <a:buFont typeface="Wingdings" pitchFamily="2" charset="2"/>
-              <a:buNone/>
-              <a:tabLst/>
-              <a:defRPr/>
-            </a:pPr>
-            <a:r>
-              <a:rPr kumimoji="0" lang="en-US" sz="2000" b="0" i="0" u="none" strike="noStrike" kern="1200" cap="none" spc="0" normalizeH="0" baseline="0" noProof="0" dirty="0" smtClean="0">
-                <a:ln>
-                  <a:noFill/>
-                </a:ln>
-                <a:solidFill>
-                  <a:schemeClr val="tx1"/>
-                </a:solidFill>
-                <a:effectLst/>
-                <a:uLnTx/>
-                <a:uFillTx/>
-                <a:ea typeface="+mn-ea"/>
-                <a:cs typeface="+mn-cs"/>
-              </a:rPr>
-              <a:t>class Man {</a:t>
-            </a:r>
-          </a:p>
-          <a:p>
-            <a:pPr marL="800100" lvl="1" indent="-342900">
-              <a:spcBef>
-                <a:spcPct val="20000"/>
-              </a:spcBef>
-              <a:buSzPct val="50000"/>
-              <a:buFont typeface="Wingdings" pitchFamily="2" charset="2"/>
-              <a:buNone/>
-            </a:pPr>
-            <a:r>
-              <a:rPr kumimoji="0" lang="en-US" sz="2000" b="0" i="0" u="none" strike="noStrike" kern="1200" cap="none" spc="0" normalizeH="0" baseline="0" noProof="0" dirty="0" smtClean="0">
-                <a:ln>
-                  <a:noFill/>
-                </a:ln>
-                <a:solidFill>
-                  <a:schemeClr val="tx1"/>
-                </a:solidFill>
-                <a:effectLst/>
-                <a:uLnTx/>
-                <a:uFillTx/>
-                <a:ea typeface="+mn-ea"/>
-                <a:cs typeface="+mn-cs"/>
-              </a:rPr>
-              <a:t>Woman girlfriend</a:t>
-            </a:r>
-            <a:r>
-              <a:rPr lang="en-US" sz="2000" dirty="0" smtClean="0"/>
-              <a:t>;</a:t>
-            </a:r>
-          </a:p>
-          <a:p>
-            <a:pPr marL="800100" lvl="1" indent="-342900">
-              <a:spcBef>
-                <a:spcPct val="20000"/>
-              </a:spcBef>
-              <a:buSzPct val="50000"/>
-              <a:buFont typeface="Wingdings" pitchFamily="2" charset="2"/>
-              <a:buNone/>
-            </a:pPr>
-            <a:r>
-              <a:rPr kumimoji="0" lang="en-US" sz="2000" b="0" i="0" u="none" strike="noStrike" kern="1200" cap="none" spc="0" normalizeH="0" baseline="0" noProof="0" dirty="0" smtClean="0">
-                <a:ln>
-                  <a:noFill/>
-                </a:ln>
-                <a:solidFill>
-                  <a:schemeClr val="tx1"/>
-                </a:solidFill>
-                <a:effectLst/>
-                <a:uLnTx/>
-                <a:uFillTx/>
-                <a:ea typeface="+mn-ea"/>
-                <a:cs typeface="+mn-cs"/>
-              </a:rPr>
-              <a:t>void </a:t>
-            </a:r>
-            <a:r>
-              <a:rPr kumimoji="0" lang="en-US" sz="2000" b="0" i="0" u="none" strike="noStrike" kern="1200" cap="none" spc="0" normalizeH="0" baseline="0" noProof="0" dirty="0" err="1" smtClean="0">
-                <a:ln>
-                  <a:noFill/>
-                </a:ln>
-                <a:solidFill>
-                  <a:schemeClr val="tx1"/>
-                </a:solidFill>
-                <a:effectLst/>
-                <a:uLnTx/>
-                <a:uFillTx/>
-                <a:ea typeface="+mn-ea"/>
-                <a:cs typeface="+mn-cs"/>
-              </a:rPr>
-              <a:t>setGirlfriend</a:t>
-            </a:r>
-            <a:r>
-              <a:rPr kumimoji="0" lang="en-US" sz="2000" b="0" i="0" u="none" strike="noStrike" kern="1200" cap="none" spc="0" normalizeH="0" baseline="0" noProof="0" dirty="0" smtClean="0">
-                <a:ln>
-                  <a:noFill/>
-                </a:ln>
-                <a:solidFill>
-                  <a:schemeClr val="tx1"/>
-                </a:solidFill>
-                <a:effectLst/>
-                <a:uLnTx/>
-                <a:uFillTx/>
-                <a:ea typeface="+mn-ea"/>
-                <a:cs typeface="+mn-cs"/>
-              </a:rPr>
-              <a:t>(Woman</a:t>
-            </a:r>
-            <a:r>
-              <a:rPr kumimoji="0" lang="en-US" sz="2000" b="0" i="0" u="none" strike="noStrike" kern="1200" cap="none" spc="0" normalizeH="0" noProof="0" dirty="0" smtClean="0">
-                <a:ln>
-                  <a:noFill/>
-                </a:ln>
-                <a:solidFill>
-                  <a:schemeClr val="tx1"/>
-                </a:solidFill>
-                <a:effectLst/>
-                <a:uLnTx/>
-                <a:uFillTx/>
-                <a:ea typeface="+mn-ea"/>
-                <a:cs typeface="+mn-cs"/>
-              </a:rPr>
-              <a:t> w</a:t>
-            </a:r>
-            <a:r>
-              <a:rPr kumimoji="0" lang="en-US" sz="2000" b="0" i="0" u="none" strike="noStrike" kern="1200" cap="none" spc="0" normalizeH="0" baseline="0" noProof="0" dirty="0" smtClean="0">
-                <a:ln>
-                  <a:noFill/>
-                </a:ln>
-                <a:solidFill>
-                  <a:schemeClr val="tx1"/>
-                </a:solidFill>
-                <a:effectLst/>
-                <a:uLnTx/>
-                <a:uFillTx/>
-                <a:ea typeface="+mn-ea"/>
-                <a:cs typeface="+mn-cs"/>
-              </a:rPr>
-              <a:t>){</a:t>
-            </a:r>
-          </a:p>
-          <a:p>
-            <a:pPr marL="800100" lvl="1" indent="-342900">
-              <a:spcBef>
-                <a:spcPct val="20000"/>
-              </a:spcBef>
-              <a:buSzPct val="50000"/>
-              <a:buFont typeface="Wingdings" pitchFamily="2" charset="2"/>
-              <a:buNone/>
-            </a:pPr>
-            <a:r>
-              <a:rPr lang="en-US" sz="2000" dirty="0" smtClean="0"/>
-              <a:t>  girlfriend = w;</a:t>
-            </a:r>
-          </a:p>
-          <a:p>
-            <a:pPr marL="800100" lvl="1" indent="-342900">
-              <a:spcBef>
-                <a:spcPct val="20000"/>
-              </a:spcBef>
-              <a:buSzPct val="50000"/>
-              <a:buFont typeface="Wingdings" pitchFamily="2" charset="2"/>
-              <a:buNone/>
-            </a:pPr>
-            <a:r>
-              <a:rPr kumimoji="0" lang="en-US" sz="2000" b="0" i="0" u="none" strike="noStrike" kern="1200" cap="none" spc="0" normalizeH="0" baseline="0" noProof="0" dirty="0" smtClean="0">
-                <a:ln>
-                  <a:noFill/>
-                </a:ln>
-                <a:solidFill>
-                  <a:schemeClr val="tx1"/>
-                </a:solidFill>
-                <a:effectLst/>
-                <a:uLnTx/>
-                <a:uFillTx/>
-                <a:ea typeface="+mn-ea"/>
-                <a:cs typeface="+mn-cs"/>
-              </a:rPr>
-              <a:t>}</a:t>
-            </a:r>
-          </a:p>
-          <a:p>
-            <a:pPr marL="800100" lvl="1" indent="-342900">
-              <a:spcBef>
-                <a:spcPct val="20000"/>
-              </a:spcBef>
-              <a:buSzPct val="50000"/>
-              <a:buFont typeface="Wingdings" pitchFamily="2" charset="2"/>
-              <a:buNone/>
-            </a:pPr>
-            <a:r>
-              <a:rPr lang="en-US" sz="2000" dirty="0" smtClean="0"/>
-              <a:t>…</a:t>
-            </a:r>
-            <a:endParaRPr kumimoji="0" lang="en-US" sz="2000" b="0" i="0" u="none" strike="noStrike" kern="1200" cap="none" spc="0" normalizeH="0" baseline="0" noProof="0" dirty="0" smtClean="0">
-              <a:ln>
-                <a:noFill/>
-              </a:ln>
-              <a:solidFill>
-                <a:schemeClr val="tx1"/>
-              </a:solidFill>
-              <a:effectLst/>
-              <a:uLnTx/>
-              <a:uFillTx/>
-              <a:ea typeface="+mn-ea"/>
-              <a:cs typeface="+mn-cs"/>
-            </a:endParaRPr>
-          </a:p>
-          <a:p>
-            <a:pPr marL="342900" marR="0" lvl="0" indent="-342900" algn="l" defTabSz="914400" rtl="0" eaLnBrk="1" fontAlgn="auto" latinLnBrk="0" hangingPunct="1">
-              <a:lnSpc>
-                <a:spcPct val="100000"/>
-              </a:lnSpc>
-              <a:spcBef>
-                <a:spcPct val="20000"/>
-              </a:spcBef>
-              <a:spcAft>
-                <a:spcPts val="0"/>
-              </a:spcAft>
-              <a:buClrTx/>
-              <a:buSzPct val="50000"/>
-              <a:buFont typeface="Wingdings" pitchFamily="2" charset="2"/>
-              <a:buNone/>
-              <a:tabLst/>
-              <a:defRPr/>
-            </a:pPr>
-            <a:r>
-              <a:rPr lang="en-US" sz="2000" dirty="0" smtClean="0"/>
-              <a:t>}</a:t>
-            </a:r>
-            <a:endParaRPr kumimoji="0" lang="en-US" sz="2000" b="0" i="0" u="none" strike="noStrike" kern="1200" cap="none" spc="0" normalizeH="0" baseline="0" noProof="0" dirty="0">
-              <a:ln>
-                <a:noFill/>
-              </a:ln>
-              <a:solidFill>
-                <a:schemeClr val="tx1"/>
-              </a:solidFill>
-              <a:effectLst/>
-              <a:uLnTx/>
-              <a:uFillTx/>
-              <a:ea typeface="+mn-ea"/>
-              <a:cs typeface="+mn-cs"/>
-            </a:endParaRPr>
-          </a:p>
-        </p:txBody>
-      </p:sp>
-      <p:sp>
-        <p:nvSpPr>
           <p:cNvPr id="8" name="Rectangle 7"/>
           <p:cNvSpPr/>
           <p:nvPr/>
@@ -3593,235 +3299,6 @@
               <a:t>0..1</a:t>
             </a:r>
             <a:endParaRPr lang="en-US" sz="2000" dirty="0"/>
-          </a:p>
-        </p:txBody>
-      </p:sp>
-      <p:sp>
-        <p:nvSpPr>
-          <p:cNvPr id="10" name="Content Placeholder 3"/>
-          <p:cNvSpPr txBox="1">
-            <a:spLocks/>
-          </p:cNvSpPr>
-          <p:nvPr/>
-        </p:nvSpPr>
-        <p:spPr>
-          <a:xfrm>
-            <a:off x="4967844" y="3643853"/>
-            <a:ext cx="3566556" cy="2616101"/>
-          </a:xfrm>
-          <a:prstGeom prst="rect">
-            <a:avLst/>
-          </a:prstGeom>
-          <a:solidFill>
-            <a:schemeClr val="accent6">
-              <a:lumMod val="20000"/>
-              <a:lumOff val="80000"/>
-            </a:schemeClr>
-          </a:solidFill>
-          <a:ln>
-            <a:solidFill>
-              <a:schemeClr val="accent1"/>
-            </a:solidFill>
-            <a:prstDash val="dash"/>
-          </a:ln>
-        </p:spPr>
-        <p:txBody>
-          <a:bodyPr vert="horz" wrap="square" lIns="91440" tIns="45720" rIns="91440" bIns="45720" rtlCol="0">
-            <a:spAutoFit/>
-          </a:bodyPr>
-          <a:lstStyle/>
-          <a:p>
-            <a:pPr marL="342900" marR="0" lvl="0" indent="-342900" algn="l" defTabSz="914400" rtl="0" eaLnBrk="1" fontAlgn="auto" latinLnBrk="0" hangingPunct="1">
-              <a:lnSpc>
-                <a:spcPct val="100000"/>
-              </a:lnSpc>
-              <a:spcBef>
-                <a:spcPct val="20000"/>
-              </a:spcBef>
-              <a:spcAft>
-                <a:spcPts val="0"/>
-              </a:spcAft>
-              <a:buClrTx/>
-              <a:buSzPct val="50000"/>
-              <a:buFont typeface="Wingdings" pitchFamily="2" charset="2"/>
-              <a:buNone/>
-              <a:tabLst/>
-              <a:defRPr/>
-            </a:pPr>
-            <a:r>
-              <a:rPr kumimoji="0" lang="en-US" sz="2000" b="0" i="0" u="none" strike="noStrike" kern="1200" cap="none" spc="0" normalizeH="0" baseline="0" noProof="0" dirty="0" smtClean="0">
-                <a:ln>
-                  <a:noFill/>
-                </a:ln>
-                <a:solidFill>
-                  <a:schemeClr val="tx1"/>
-                </a:solidFill>
-                <a:effectLst/>
-                <a:uLnTx/>
-                <a:uFillTx/>
-                <a:ea typeface="+mn-ea"/>
-                <a:cs typeface="+mn-cs"/>
-              </a:rPr>
-              <a:t>class Woman {</a:t>
-            </a:r>
-          </a:p>
-          <a:p>
-            <a:pPr marL="800100" lvl="1" indent="-342900">
-              <a:spcBef>
-                <a:spcPct val="20000"/>
-              </a:spcBef>
-              <a:buSzPct val="50000"/>
-              <a:buFont typeface="Wingdings" pitchFamily="2" charset="2"/>
-              <a:buNone/>
-            </a:pPr>
-            <a:r>
-              <a:rPr kumimoji="0" lang="en-US" sz="2000" b="0" i="0" u="none" strike="noStrike" kern="1200" cap="none" spc="0" normalizeH="0" baseline="0" noProof="0" dirty="0" smtClean="0">
-                <a:ln>
-                  <a:noFill/>
-                </a:ln>
-                <a:solidFill>
-                  <a:schemeClr val="tx1"/>
-                </a:solidFill>
-                <a:effectLst/>
-                <a:uLnTx/>
-                <a:uFillTx/>
-                <a:ea typeface="+mn-ea"/>
-                <a:cs typeface="+mn-cs"/>
-              </a:rPr>
-              <a:t>Man</a:t>
-            </a:r>
-            <a:r>
-              <a:rPr kumimoji="0" lang="en-US" sz="2000" b="0" i="0" u="none" strike="noStrike" kern="1200" cap="none" spc="0" normalizeH="0" noProof="0" dirty="0" smtClean="0">
-                <a:ln>
-                  <a:noFill/>
-                </a:ln>
-                <a:solidFill>
-                  <a:schemeClr val="tx1"/>
-                </a:solidFill>
-                <a:effectLst/>
-                <a:uLnTx/>
-                <a:uFillTx/>
-                <a:ea typeface="+mn-ea"/>
-                <a:cs typeface="+mn-cs"/>
-              </a:rPr>
-              <a:t> boyfriend</a:t>
-            </a:r>
-            <a:r>
-              <a:rPr lang="en-US" sz="2000" dirty="0" smtClean="0"/>
-              <a:t>;</a:t>
-            </a:r>
-          </a:p>
-          <a:p>
-            <a:pPr marL="800100" lvl="1" indent="-342900">
-              <a:spcBef>
-                <a:spcPct val="20000"/>
-              </a:spcBef>
-              <a:buSzPct val="50000"/>
-              <a:buFont typeface="Wingdings" pitchFamily="2" charset="2"/>
-              <a:buNone/>
-            </a:pPr>
-            <a:r>
-              <a:rPr lang="en-US" sz="2000" dirty="0" smtClean="0"/>
-              <a:t>void </a:t>
-            </a:r>
-            <a:r>
-              <a:rPr lang="en-US" sz="2000" dirty="0" err="1" smtClean="0"/>
-              <a:t>setBoyfriend</a:t>
-            </a:r>
-            <a:r>
-              <a:rPr lang="en-US" sz="2000" dirty="0" smtClean="0"/>
-              <a:t>(Man m){</a:t>
-            </a:r>
-          </a:p>
-          <a:p>
-            <a:pPr marL="800100" lvl="1" indent="-342900">
-              <a:spcBef>
-                <a:spcPct val="20000"/>
-              </a:spcBef>
-              <a:buSzPct val="50000"/>
-              <a:buFont typeface="Wingdings" pitchFamily="2" charset="2"/>
-              <a:buNone/>
-            </a:pPr>
-            <a:r>
-              <a:rPr lang="en-US" sz="2000" dirty="0" smtClean="0"/>
-              <a:t>  boyfriend = m;</a:t>
-            </a:r>
-          </a:p>
-          <a:p>
-            <a:pPr marL="800100" lvl="1" indent="-342900">
-              <a:spcBef>
-                <a:spcPct val="20000"/>
-              </a:spcBef>
-              <a:buSzPct val="50000"/>
-              <a:buFont typeface="Wingdings" pitchFamily="2" charset="2"/>
-              <a:buNone/>
-            </a:pPr>
-            <a:r>
-              <a:rPr lang="en-US" sz="2000" dirty="0" smtClean="0"/>
-              <a:t>}</a:t>
-            </a:r>
-          </a:p>
-          <a:p>
-            <a:pPr marL="800100" lvl="1" indent="-342900">
-              <a:spcBef>
-                <a:spcPct val="20000"/>
-              </a:spcBef>
-              <a:buSzPct val="50000"/>
-              <a:buFont typeface="Wingdings" pitchFamily="2" charset="2"/>
-              <a:buNone/>
-            </a:pPr>
-            <a:r>
-              <a:rPr kumimoji="0" lang="en-US" sz="2000" b="0" i="0" u="none" strike="noStrike" kern="1200" cap="none" spc="0" normalizeH="0" baseline="0" noProof="0" dirty="0" smtClean="0">
-                <a:ln>
-                  <a:noFill/>
-                </a:ln>
-                <a:solidFill>
-                  <a:schemeClr val="tx1"/>
-                </a:solidFill>
-                <a:effectLst/>
-                <a:uLnTx/>
-                <a:uFillTx/>
-                <a:ea typeface="+mn-ea"/>
-                <a:cs typeface="+mn-cs"/>
-              </a:rPr>
-              <a:t>…</a:t>
-            </a:r>
-          </a:p>
-          <a:p>
-            <a:pPr marL="342900" marR="0" lvl="0" indent="-342900" algn="l" defTabSz="914400" rtl="0" eaLnBrk="1" fontAlgn="auto" latinLnBrk="0" hangingPunct="1">
-              <a:lnSpc>
-                <a:spcPct val="100000"/>
-              </a:lnSpc>
-              <a:spcBef>
-                <a:spcPct val="20000"/>
-              </a:spcBef>
-              <a:spcAft>
-                <a:spcPts val="0"/>
-              </a:spcAft>
-              <a:buClrTx/>
-              <a:buSzPct val="50000"/>
-              <a:buFont typeface="Wingdings" pitchFamily="2" charset="2"/>
-              <a:buNone/>
-              <a:tabLst/>
-              <a:defRPr/>
-            </a:pPr>
-            <a:r>
-              <a:rPr lang="en-US" sz="2000" dirty="0" smtClean="0"/>
-              <a:t>}</a:t>
-            </a:r>
-            <a:endParaRPr kumimoji="0" lang="en-US" sz="2000" b="0" i="0" u="none" strike="noStrike" kern="1200" cap="none" spc="0" normalizeH="0" baseline="0" noProof="0" dirty="0">
-              <a:ln>
-                <a:noFill/>
-              </a:ln>
-              <a:solidFill>
-                <a:schemeClr val="tx1"/>
-              </a:solidFill>
-              <a:effectLst/>
-              <a:uLnTx/>
-              <a:uFillTx/>
-              <a:ea typeface="+mn-ea"/>
-              <a:cs typeface="+mn-cs"/>
-            </a:endParaRPr>
           </a:p>
         </p:txBody>
       </p:sp>
@@ -4696,60 +4173,6 @@
                                   </p:childTnLst>
                                 </p:cTn>
                               </p:par>
-                              <p:par>
-                                <p:cTn id="29" presetID="1" presetClass="entr" presetSubtype="0" fill="hold" grpId="0" nodeType="withEffect">
-                                  <p:stCondLst>
-                                    <p:cond delay="0"/>
-                                  </p:stCondLst>
-                                  <p:childTnLst>
-                                    <p:set>
-                                      <p:cBhvr>
-                                        <p:cTn id="30" dur="1" fill="hold">
-                                          <p:stCondLst>
-                                            <p:cond delay="0"/>
-                                          </p:stCondLst>
-                                        </p:cTn>
-                                        <p:tgtEl>
-                                          <p:spTgt spid="7"/>
-                                        </p:tgtEl>
-                                        <p:attrNameLst>
-                                          <p:attrName>style.visibility</p:attrName>
-                                        </p:attrNameLst>
-                                      </p:cBhvr>
-                                      <p:to>
-                                        <p:strVal val="visible"/>
-                                      </p:to>
-                                    </p:set>
-                                  </p:childTnLst>
-                                </p:cTn>
-                              </p:par>
-                              <p:par>
-                                <p:cTn id="31" presetID="1" presetClass="entr" presetSubtype="0" fill="hold" grpId="0" nodeType="withEffect">
-                                  <p:stCondLst>
-                                    <p:cond delay="0"/>
-                                  </p:stCondLst>
-                                  <p:childTnLst>
-                                    <p:set>
-                                      <p:cBhvr>
-                                        <p:cTn id="32" dur="1" fill="hold">
-                                          <p:stCondLst>
-                                            <p:cond delay="0"/>
-                                          </p:stCondLst>
-                                        </p:cTn>
-                                        <p:tgtEl>
-                                          <p:spTgt spid="10"/>
-                                        </p:tgtEl>
-                                        <p:attrNameLst>
-                                          <p:attrName>style.visibility</p:attrName>
-                                        </p:attrNameLst>
-                                      </p:cBhvr>
-                                      <p:to>
-                                        <p:strVal val="visible"/>
-                                      </p:to>
-                                    </p:set>
-                                  </p:childTnLst>
-                                </p:cTn>
-                              </p:par>
                             </p:childTnLst>
                           </p:cTn>
                         </p:par>
@@ -4778,8 +4201,6 @@
       </p:par>
     </p:tnLst>
     <p:bldLst>
-      <p:bldP spid="7" grpId="0" animBg="1"/>
-      <p:bldP spid="10" grpId="0" animBg="1"/>
       <p:bldP spid="11" grpId="0" animBg="1"/>
       <p:bldP spid="12" grpId="0" animBg="1"/>
       <p:bldP spid="14" grpId="0"/>
